--- a/Lessons/L_Text_Mining_2/B_wordClouds_frequency.pptx
+++ b/Lessons/L_Text_Mining_2/B_wordClouds_frequency.pptx
@@ -13869,7 +13869,7 @@
                 <a:ea typeface="Arial Unicode MS" panose="020B0604020202020204" pitchFamily="34" charset="-128"/>
                 <a:cs typeface="Consolas" panose="020B0609020204030204" pitchFamily="49" charset="0"/>
               </a:rPr>
-              <a:t>TermDocumentMatrix</a:t>
+              <a:t>DocumentTermMatrix</a:t>
             </a:r>
             <a:r>
               <a:rPr lang="en-US" dirty="0">
@@ -16021,7 +16021,7 @@
               <a:t>&lt;-</a:t>
             </a:r>
             <a:r>
-              <a:rPr lang="en-US" sz="1400" kern="1200" dirty="0" err="1">
+              <a:rPr lang="en-US" sz="1400" dirty="0" err="1">
                 <a:solidFill>
                   <a:prstClr val="black"/>
                 </a:solidFill>
@@ -16029,7 +16029,18 @@
                 <a:ea typeface="Arial Unicode MS" panose="020B0604020202020204" pitchFamily="34" charset="-128"/>
                 <a:cs typeface="Consolas" panose="020B0609020204030204" pitchFamily="49" charset="0"/>
               </a:rPr>
-              <a:t>TermDocumentMatrix</a:t>
+              <a:t>DocumentTermMatr</a:t>
+            </a:r>
+            <a:r>
+              <a:rPr lang="en-US" sz="1400" kern="1200" dirty="0" err="1">
+                <a:solidFill>
+                  <a:prstClr val="black"/>
+                </a:solidFill>
+                <a:latin typeface="Consolas" panose="020B0609020204030204" pitchFamily="49" charset="0"/>
+                <a:ea typeface="Arial Unicode MS" panose="020B0604020202020204" pitchFamily="34" charset="-128"/>
+                <a:cs typeface="Consolas" panose="020B0609020204030204" pitchFamily="49" charset="0"/>
+              </a:rPr>
+              <a:t>ix</a:t>
             </a:r>
             <a:r>
               <a:rPr lang="en-US" sz="1400" kern="1200" dirty="0">
